--- a/Consult_v3.pptx
+++ b/Consult_v3.pptx
@@ -3051,7 +3051,7 @@
           </a:ln>
           <a:extLst>
             <a:ext uri="{C572A759-6A51-4108-AA02-DFA0A04FC94B}">
-              <ma14:wrappingTextBoxFlag xmlns:ma14="http://schemas.microsoft.com/office/mac/drawingml/2011/main" xmlns:a14="http://schemas.microsoft.com/office/drawing/2010/main" xmlns:m="http://schemas.openxmlformats.org/officeDocument/2006/math" xmlns="" val="1"/>
+              <ma14:wrappingTextBoxFlag xmlns="" xmlns:m="http://schemas.openxmlformats.org/officeDocument/2006/math" xmlns:a14="http://schemas.microsoft.com/office/drawing/2010/main" xmlns:ma14="http://schemas.microsoft.com/office/mac/drawingml/2011/main" val="1"/>
             </a:ext>
           </a:extLst>
         </p:spPr>
@@ -3114,7 +3114,7 @@
           </a:ln>
           <a:extLst>
             <a:ext uri="{C572A759-6A51-4108-AA02-DFA0A04FC94B}">
-              <ma14:wrappingTextBoxFlag xmlns:ma14="http://schemas.microsoft.com/office/mac/drawingml/2011/main" xmlns:a14="http://schemas.microsoft.com/office/drawing/2010/main" xmlns:m="http://schemas.openxmlformats.org/officeDocument/2006/math" xmlns="" val="1"/>
+              <ma14:wrappingTextBoxFlag xmlns="" xmlns:m="http://schemas.openxmlformats.org/officeDocument/2006/math" xmlns:a14="http://schemas.microsoft.com/office/drawing/2010/main" xmlns:ma14="http://schemas.microsoft.com/office/mac/drawingml/2011/main" val="1"/>
             </a:ext>
           </a:extLst>
         </p:spPr>
@@ -3941,7 +3941,7 @@
         </p:nvSpPr>
         <p:spPr>
           <a:xfrm>
-            <a:off x="6164695" y="5151462"/>
+            <a:off x="6164695" y="5267072"/>
             <a:ext cx="502920" cy="450912"/>
           </a:xfrm>
           <a:prstGeom prst="rect">
@@ -4024,7 +4024,7 @@
         </p:nvSpPr>
         <p:spPr>
           <a:xfrm>
-            <a:off x="7010211" y="5142918"/>
+            <a:off x="7010211" y="5258528"/>
             <a:ext cx="1237648" cy="450912"/>
           </a:xfrm>
           <a:prstGeom prst="rect">
@@ -4107,7 +4107,7 @@
         </p:nvSpPr>
         <p:spPr>
           <a:xfrm>
-            <a:off x="6088907" y="5070577"/>
+            <a:off x="6096051" y="5193331"/>
             <a:ext cx="502920" cy="450912"/>
           </a:xfrm>
           <a:prstGeom prst="rect">
@@ -4190,7 +4190,7 @@
         </p:nvSpPr>
         <p:spPr>
           <a:xfrm>
-            <a:off x="6923285" y="5062957"/>
+            <a:off x="6930429" y="5185711"/>
             <a:ext cx="1237648" cy="450912"/>
           </a:xfrm>
           <a:prstGeom prst="rect">
@@ -4845,7 +4845,7 @@
           </a:ln>
           <a:extLst>
             <a:ext uri="{C572A759-6A51-4108-AA02-DFA0A04FC94B}">
-              <ma14:wrappingTextBoxFlag xmlns:ma14="http://schemas.microsoft.com/office/mac/drawingml/2011/main" xmlns:a14="http://schemas.microsoft.com/office/drawing/2010/main" xmlns:m="http://schemas.openxmlformats.org/officeDocument/2006/math" xmlns="" val="1"/>
+              <ma14:wrappingTextBoxFlag xmlns="" xmlns:m="http://schemas.openxmlformats.org/officeDocument/2006/math" xmlns:a14="http://schemas.microsoft.com/office/drawing/2010/main" xmlns:ma14="http://schemas.microsoft.com/office/mac/drawingml/2011/main" val="1"/>
             </a:ext>
           </a:extLst>
         </p:spPr>
@@ -5051,8 +5051,8 @@
           </a:p>
         </p:txBody>
       </p:sp>
-      <mc:AlternateContent xmlns:mc="http://schemas.openxmlformats.org/markup-compatibility/2006">
-        <mc:Choice xmlns:a14="http://schemas.microsoft.com/office/drawing/2010/main" Requires="a14">
+      <mc:AlternateContent xmlns:mc="http://schemas.openxmlformats.org/markup-compatibility/2006" xmlns:a14="http://schemas.microsoft.com/office/drawing/2010/main">
+        <mc:Choice Requires="a14">
           <p:sp>
             <p:nvSpPr>
               <p:cNvPr id="158" name="Equation"/>
@@ -5131,7 +5131,7 @@
             </p:txBody>
           </p:sp>
         </mc:Choice>
-        <mc:Fallback>
+        <mc:Fallback xmlns="">
           <p:sp>
             <p:nvSpPr>
               <p:cNvPr id="158" name="Equation"/>
@@ -5654,8 +5654,8 @@
           </a:p>
         </p:txBody>
       </p:sp>
-      <mc:AlternateContent xmlns:mc="http://schemas.openxmlformats.org/markup-compatibility/2006">
-        <mc:Choice xmlns:a14="http://schemas.microsoft.com/office/drawing/2010/main" Requires="a14">
+      <mc:AlternateContent xmlns:mc="http://schemas.openxmlformats.org/markup-compatibility/2006" xmlns:a14="http://schemas.microsoft.com/office/drawing/2010/main">
+        <mc:Choice Requires="a14">
           <p:sp>
             <p:nvSpPr>
               <p:cNvPr id="175" name="Equation"/>
@@ -5722,7 +5722,7 @@
             </p:txBody>
           </p:sp>
         </mc:Choice>
-        <mc:Fallback>
+        <mc:Fallback xmlns="">
           <p:sp>
             <p:nvSpPr>
               <p:cNvPr id="175" name="Equation"/>
@@ -5902,8 +5902,8 @@
           </a:p>
         </p:txBody>
       </p:sp>
-      <mc:AlternateContent xmlns:mc="http://schemas.openxmlformats.org/markup-compatibility/2006">
-        <mc:Choice xmlns:a14="http://schemas.microsoft.com/office/drawing/2010/main" Requires="a14">
+      <mc:AlternateContent xmlns:mc="http://schemas.openxmlformats.org/markup-compatibility/2006" xmlns:a14="http://schemas.microsoft.com/office/drawing/2010/main">
+        <mc:Choice Requires="a14">
           <p:sp>
             <p:nvSpPr>
               <p:cNvPr id="179" name="Equation"/>
@@ -5970,7 +5970,7 @@
             </p:txBody>
           </p:sp>
         </mc:Choice>
-        <mc:Fallback>
+        <mc:Fallback xmlns="">
           <p:sp>
             <p:nvSpPr>
               <p:cNvPr id="179" name="Equation"/>
@@ -6012,8 +6012,8 @@
           </p:sp>
         </mc:Fallback>
       </mc:AlternateContent>
-      <mc:AlternateContent xmlns:mc="http://schemas.openxmlformats.org/markup-compatibility/2006">
-        <mc:Choice xmlns:a14="http://schemas.microsoft.com/office/drawing/2010/main" Requires="a14">
+      <mc:AlternateContent xmlns:mc="http://schemas.openxmlformats.org/markup-compatibility/2006" xmlns:a14="http://schemas.microsoft.com/office/drawing/2010/main">
+        <mc:Choice Requires="a14">
           <p:sp>
             <p:nvSpPr>
               <p:cNvPr id="180" name="Equation"/>
@@ -6080,7 +6080,7 @@
             </p:txBody>
           </p:sp>
         </mc:Choice>
-        <mc:Fallback>
+        <mc:Fallback xmlns="">
           <p:sp>
             <p:nvSpPr>
               <p:cNvPr id="180" name="Equation"/>
@@ -6122,8 +6122,8 @@
           </p:sp>
         </mc:Fallback>
       </mc:AlternateContent>
-      <mc:AlternateContent xmlns:mc="http://schemas.openxmlformats.org/markup-compatibility/2006">
-        <mc:Choice xmlns:a14="http://schemas.microsoft.com/office/drawing/2010/main" Requires="a14">
+      <mc:AlternateContent xmlns:mc="http://schemas.openxmlformats.org/markup-compatibility/2006" xmlns:a14="http://schemas.microsoft.com/office/drawing/2010/main">
+        <mc:Choice Requires="a14">
           <p:sp>
             <p:nvSpPr>
               <p:cNvPr id="181" name="Equation"/>
@@ -6190,7 +6190,7 @@
             </p:txBody>
           </p:sp>
         </mc:Choice>
-        <mc:Fallback>
+        <mc:Fallback xmlns="">
           <p:sp>
             <p:nvSpPr>
               <p:cNvPr id="181" name="Equation"/>
@@ -6863,8 +6863,8 @@
           </a:p>
         </p:txBody>
       </p:sp>
-      <mc:AlternateContent xmlns:mc="http://schemas.openxmlformats.org/markup-compatibility/2006">
-        <mc:Choice xmlns:a14="http://schemas.microsoft.com/office/drawing/2010/main" Requires="a14">
+      <mc:AlternateContent xmlns:mc="http://schemas.openxmlformats.org/markup-compatibility/2006" xmlns:a14="http://schemas.microsoft.com/office/drawing/2010/main">
+        <mc:Choice Requires="a14">
           <p:sp>
             <p:nvSpPr>
               <p:cNvPr id="201" name="Equation"/>
@@ -6974,7 +6974,7 @@
             </p:txBody>
           </p:sp>
         </mc:Choice>
-        <mc:Fallback>
+        <mc:Fallback xmlns="">
           <p:sp>
             <p:nvSpPr>
               <p:cNvPr id="201" name="Equation"/>
@@ -7016,8 +7016,8 @@
           </p:sp>
         </mc:Fallback>
       </mc:AlternateContent>
-      <mc:AlternateContent xmlns:mc="http://schemas.openxmlformats.org/markup-compatibility/2006">
-        <mc:Choice xmlns:a14="http://schemas.microsoft.com/office/drawing/2010/main" Requires="a14">
+      <mc:AlternateContent xmlns:mc="http://schemas.openxmlformats.org/markup-compatibility/2006" xmlns:a14="http://schemas.microsoft.com/office/drawing/2010/main">
+        <mc:Choice Requires="a14">
           <p:sp>
             <p:nvSpPr>
               <p:cNvPr id="202" name="Equation"/>
@@ -7118,7 +7118,7 @@
             </p:txBody>
           </p:sp>
         </mc:Choice>
-        <mc:Fallback>
+        <mc:Fallback xmlns="">
           <p:sp>
             <p:nvSpPr>
               <p:cNvPr id="202" name="Equation"/>
@@ -7500,7 +7500,7 @@
           </a:ln>
           <a:extLst>
             <a:ext uri="{C572A759-6A51-4108-AA02-DFA0A04FC94B}">
-              <ma14:wrappingTextBoxFlag xmlns:ma14="http://schemas.microsoft.com/office/mac/drawingml/2011/main" xmlns:a14="http://schemas.microsoft.com/office/drawing/2010/main" xmlns:m="http://schemas.openxmlformats.org/officeDocument/2006/math" xmlns="" val="1"/>
+              <ma14:wrappingTextBoxFlag xmlns="" xmlns:m="http://schemas.openxmlformats.org/officeDocument/2006/math" xmlns:a14="http://schemas.microsoft.com/office/drawing/2010/main" xmlns:ma14="http://schemas.microsoft.com/office/mac/drawingml/2011/main" val="1"/>
             </a:ext>
           </a:extLst>
         </p:spPr>
@@ -7527,8 +7527,8 @@
           </a:p>
         </p:txBody>
       </p:sp>
-      <mc:AlternateContent xmlns:mc="http://schemas.openxmlformats.org/markup-compatibility/2006">
-        <mc:Choice xmlns:a14="http://schemas.microsoft.com/office/drawing/2010/main" Requires="a14">
+      <mc:AlternateContent xmlns:mc="http://schemas.openxmlformats.org/markup-compatibility/2006" xmlns:a14="http://schemas.microsoft.com/office/drawing/2010/main">
+        <mc:Choice Requires="a14">
           <p:sp>
             <p:nvSpPr>
               <p:cNvPr id="215" name="Equation"/>
@@ -7620,7 +7620,7 @@
             </p:txBody>
           </p:sp>
         </mc:Choice>
-        <mc:Fallback>
+        <mc:Fallback xmlns="">
           <p:sp>
             <p:nvSpPr>
               <p:cNvPr id="215" name="Equation"/>
@@ -8371,8 +8371,8 @@
           </a:p>
         </p:txBody>
       </p:sp>
-      <mc:AlternateContent xmlns:mc="http://schemas.openxmlformats.org/markup-compatibility/2006">
-        <mc:Choice xmlns:a14="http://schemas.microsoft.com/office/drawing/2010/main" Requires="a14">
+      <mc:AlternateContent xmlns:mc="http://schemas.openxmlformats.org/markup-compatibility/2006" xmlns:a14="http://schemas.microsoft.com/office/drawing/2010/main">
+        <mc:Choice Requires="a14">
           <p:sp>
             <p:nvSpPr>
               <p:cNvPr id="222" name="Equation"/>
@@ -8460,7 +8460,7 @@
             </p:txBody>
           </p:sp>
         </mc:Choice>
-        <mc:Fallback>
+        <mc:Fallback xmlns="">
           <p:sp>
             <p:nvSpPr>
               <p:cNvPr id="222" name="Equation"/>
@@ -8516,8 +8516,8 @@
         </p:nvSpPr>
         <p:spPr>
           <a:xfrm>
-            <a:off x="6118099" y="3359851"/>
-            <a:ext cx="502920" cy="450912"/>
+            <a:off x="6093857" y="3359851"/>
+            <a:ext cx="454694" cy="450912"/>
           </a:xfrm>
           <a:prstGeom prst="rect">
             <a:avLst/>
@@ -8599,8 +8599,8 @@
         </p:nvSpPr>
         <p:spPr>
           <a:xfrm>
-            <a:off x="6619230" y="3359851"/>
-            <a:ext cx="1237648" cy="450912"/>
+            <a:off x="6548550" y="3359851"/>
+            <a:ext cx="1308328" cy="450912"/>
           </a:xfrm>
           <a:prstGeom prst="rect">
             <a:avLst/>
@@ -8946,7 +8946,7 @@
         </p:nvSpPr>
         <p:spPr>
           <a:xfrm>
-            <a:off x="6026731" y="3440375"/>
+            <a:off x="5979106" y="3440375"/>
             <a:ext cx="692360" cy="324191"/>
           </a:xfrm>
           <a:prstGeom prst="rect">
@@ -9012,7 +9012,7 @@
         </p:nvSpPr>
         <p:spPr>
           <a:xfrm>
-            <a:off x="6848382" y="4988186"/>
+            <a:off x="6848382" y="5103796"/>
             <a:ext cx="1237648" cy="450912"/>
           </a:xfrm>
           <a:prstGeom prst="rect">
@@ -9098,7 +9098,7 @@
         <p:spPr>
           <a:xfrm>
             <a:off x="5796706" y="2411334"/>
-            <a:ext cx="501176" cy="861438"/>
+            <a:ext cx="459197" cy="907416"/>
           </a:xfrm>
           <a:prstGeom prst="straightConnector1">
             <a:avLst/>
@@ -9149,7 +9149,7 @@
         <p:spPr>
           <a:xfrm>
             <a:off x="7065594" y="2411334"/>
-            <a:ext cx="532358" cy="862594"/>
+            <a:ext cx="580018" cy="906394"/>
           </a:xfrm>
           <a:prstGeom prst="straightConnector1">
             <a:avLst/>
@@ -9464,7 +9464,7 @@
         <p:spPr>
           <a:xfrm>
             <a:off x="6853893" y="2411334"/>
-            <a:ext cx="532977" cy="888547"/>
+            <a:ext cx="498168" cy="906394"/>
           </a:xfrm>
           <a:prstGeom prst="straightConnector1">
             <a:avLst/>
@@ -9515,7 +9515,7 @@
         <p:spPr>
           <a:xfrm>
             <a:off x="6509148" y="2411334"/>
-            <a:ext cx="662892" cy="868213"/>
+            <a:ext cx="593251" cy="906394"/>
           </a:xfrm>
           <a:prstGeom prst="straightConnector1">
             <a:avLst/>
@@ -9617,7 +9617,7 @@
         <p:spPr>
           <a:xfrm>
             <a:off x="6154625" y="2411334"/>
-            <a:ext cx="509919" cy="898295"/>
+            <a:ext cx="509199" cy="906394"/>
           </a:xfrm>
           <a:prstGeom prst="straightConnector1">
             <a:avLst/>
@@ -9667,8 +9667,8 @@
         </p:nvCxnSpPr>
         <p:spPr>
           <a:xfrm flipH="1">
-            <a:off x="6347649" y="2411334"/>
-            <a:ext cx="1158786" cy="861439"/>
+            <a:off x="6395903" y="2411334"/>
+            <a:ext cx="1110534" cy="906394"/>
           </a:xfrm>
           <a:prstGeom prst="straightConnector1">
             <a:avLst/>
@@ -9718,8 +9718,8 @@
         </p:nvCxnSpPr>
         <p:spPr>
           <a:xfrm flipH="1">
-            <a:off x="6717271" y="2411334"/>
-            <a:ext cx="1180526" cy="884857"/>
+            <a:off x="6733933" y="2411334"/>
+            <a:ext cx="1163865" cy="906394"/>
           </a:xfrm>
           <a:prstGeom prst="straightConnector1">
             <a:avLst/>
@@ -9769,8 +9769,8 @@
         </p:nvCxnSpPr>
         <p:spPr>
           <a:xfrm flipH="1">
-            <a:off x="6957229" y="2411334"/>
-            <a:ext cx="1088009" cy="867701"/>
+            <a:off x="6932620" y="2411334"/>
+            <a:ext cx="1112620" cy="906394"/>
           </a:xfrm>
           <a:prstGeom prst="straightConnector1">
             <a:avLst/>
@@ -9820,8 +9820,8 @@
         </p:nvCxnSpPr>
         <p:spPr>
           <a:xfrm flipH="1">
-            <a:off x="7670937" y="2411334"/>
-            <a:ext cx="1080061" cy="851842"/>
+            <a:off x="7692253" y="2411334"/>
+            <a:ext cx="1081244" cy="906394"/>
           </a:xfrm>
           <a:prstGeom prst="straightConnector1">
             <a:avLst/>
@@ -9871,8 +9871,8 @@
         </p:nvCxnSpPr>
         <p:spPr>
           <a:xfrm flipH="1">
-            <a:off x="7418477" y="2411334"/>
-            <a:ext cx="1108707" cy="846412"/>
+            <a:off x="7414068" y="2411334"/>
+            <a:ext cx="1113118" cy="906394"/>
           </a:xfrm>
           <a:prstGeom prst="straightConnector1">
             <a:avLst/>
@@ -9922,8 +9922,8 @@
         </p:nvCxnSpPr>
         <p:spPr>
           <a:xfrm flipH="1">
-            <a:off x="7193656" y="2411334"/>
-            <a:ext cx="985018" cy="839599"/>
+            <a:off x="7149709" y="2414444"/>
+            <a:ext cx="1058600" cy="903284"/>
           </a:xfrm>
           <a:prstGeom prst="straightConnector1">
             <a:avLst/>
@@ -9957,8 +9957,8 @@
           <a:fontRef idx="none"/>
         </p:style>
       </p:cxnSp>
-      <mc:AlternateContent xmlns:mc="http://schemas.openxmlformats.org/markup-compatibility/2006">
-        <mc:Choice xmlns:a14="http://schemas.microsoft.com/office/drawing/2010/main" Requires="a14">
+      <mc:AlternateContent xmlns:mc="http://schemas.openxmlformats.org/markup-compatibility/2006" xmlns:a14="http://schemas.microsoft.com/office/drawing/2010/main">
+        <mc:Choice Requires="a14">
           <p:sp>
             <p:nvSpPr>
               <p:cNvPr id="246" name="Equation">
@@ -10049,7 +10049,7 @@
             </p:txBody>
           </p:sp>
         </mc:Choice>
-        <mc:Fallback>
+        <mc:Fallback xmlns="">
           <p:sp>
             <p:nvSpPr>
               <p:cNvPr id="246" name="Equation">
@@ -10175,8 +10175,8 @@
           </a:p>
         </p:txBody>
       </p:sp>
-      <mc:AlternateContent xmlns:mc="http://schemas.openxmlformats.org/markup-compatibility/2006">
-        <mc:Choice xmlns:a14="http://schemas.microsoft.com/office/drawing/2010/main" Requires="a14">
+      <mc:AlternateContent xmlns:mc="http://schemas.openxmlformats.org/markup-compatibility/2006" xmlns:a14="http://schemas.microsoft.com/office/drawing/2010/main">
+        <mc:Choice Requires="a14">
           <p:sp>
             <p:nvSpPr>
               <p:cNvPr id="248" name="Equation">
@@ -10267,7 +10267,7 @@
             </p:txBody>
           </p:sp>
         </mc:Choice>
-        <mc:Fallback>
+        <mc:Fallback xmlns="">
           <p:sp>
             <p:nvSpPr>
               <p:cNvPr id="248" name="Equation">
@@ -10329,7 +10329,7 @@
         </p:nvSpPr>
         <p:spPr>
           <a:xfrm>
-            <a:off x="6956354" y="4537941"/>
+            <a:off x="6956354" y="4579981"/>
             <a:ext cx="247246" cy="336966"/>
           </a:xfrm>
           <a:prstGeom prst="downArrow">
@@ -10410,7 +10410,7 @@
         </p:nvSpPr>
         <p:spPr>
           <a:xfrm rot="16200000">
-            <a:off x="7394251" y="5116501"/>
+            <a:off x="7394251" y="5232111"/>
             <a:ext cx="155448" cy="1234440"/>
           </a:xfrm>
           <a:prstGeom prst="leftBrace">
@@ -10490,7 +10490,7 @@
             </p:nvSpPr>
             <p:spPr>
               <a:xfrm>
-                <a:off x="6952131" y="5776308"/>
+                <a:off x="6952131" y="5891918"/>
                 <a:ext cx="1073948" cy="292388"/>
               </a:xfrm>
               <a:prstGeom prst="rect">
@@ -10592,7 +10592,7 @@
             </p:nvSpPr>
             <p:spPr>
               <a:xfrm>
-                <a:off x="6952131" y="5776308"/>
+                <a:off x="6952131" y="5891918"/>
                 <a:ext cx="1073948" cy="292388"/>
               </a:xfrm>
               <a:prstGeom prst="rect">
@@ -10637,7 +10637,7 @@
         </p:nvSpPr>
         <p:spPr>
           <a:xfrm>
-            <a:off x="6925594" y="5052907"/>
+            <a:off x="6925594" y="5168517"/>
             <a:ext cx="1107072" cy="324191"/>
           </a:xfrm>
           <a:prstGeom prst="rect">
@@ -10703,7 +10703,7 @@
         </p:nvSpPr>
         <p:spPr>
           <a:xfrm rot="5400000">
-            <a:off x="6175558" y="4619246"/>
+            <a:off x="6175558" y="4734856"/>
             <a:ext cx="155448" cy="502920"/>
           </a:xfrm>
           <a:prstGeom prst="leftBrace">
@@ -10783,7 +10783,7 @@
             </p:nvSpPr>
             <p:spPr>
               <a:xfrm>
-                <a:off x="5976839" y="4524966"/>
+                <a:off x="5976839" y="4640576"/>
                 <a:ext cx="644151" cy="292388"/>
               </a:xfrm>
               <a:prstGeom prst="rect">
@@ -10867,7 +10867,7 @@
             </p:nvSpPr>
             <p:spPr>
               <a:xfrm>
-                <a:off x="5976839" y="4524966"/>
+                <a:off x="5976839" y="4640576"/>
                 <a:ext cx="644151" cy="292388"/>
               </a:xfrm>
               <a:prstGeom prst="rect">
@@ -10912,8 +10912,8 @@
         </p:nvSpPr>
         <p:spPr>
           <a:xfrm>
-            <a:off x="6065334" y="6597815"/>
-            <a:ext cx="2958519" cy="1023378"/>
+            <a:off x="5813086" y="6559610"/>
+            <a:ext cx="3024426" cy="1099788"/>
           </a:xfrm>
           <a:prstGeom prst="rect">
             <a:avLst/>
@@ -10946,7 +10946,7 @@
           </a:bodyPr>
           <a:lstStyle/>
           <a:p>
-            <a:endParaRPr kumimoji="0" lang="en-US" b="0" i="0" u="none" strike="noStrike" cap="none" spc="0" normalizeH="0" baseline="0" dirty="0">
+            <a:endParaRPr kumimoji="0" lang="en-US" sz="1200" b="0" i="0" u="none" strike="noStrike" cap="none" spc="0" normalizeH="0" baseline="0" dirty="0">
               <a:ln>
                 <a:noFill/>
               </a:ln>
@@ -10968,7 +10968,7 @@
                   <a:srgbClr val="007355"/>
                 </a:solidFill>
               </a:rPr>
-              <a:t>c</a:t>
+              <a:t>H</a:t>
             </a:r>
             <a:r>
               <a:rPr kumimoji="0" lang="en-US" sz="2500" b="1" i="0" u="none" strike="noStrike" cap="none" spc="0" normalizeH="0" baseline="0" dirty="0">
@@ -10985,11 +10985,50 @@
                 <a:cs typeface="+mn-cs"/>
                 <a:sym typeface="Helvetica"/>
               </a:rPr>
-              <a:t>heck hamming distance</a:t>
+              <a:t>amming </a:t>
             </a:r>
-          </a:p>
-          <a:p>
-            <a:endParaRPr kumimoji="0" lang="en-US" b="0" i="0" u="none" strike="noStrike" cap="none" spc="0" normalizeH="0" baseline="0" dirty="0">
+            <a:r>
+              <a:rPr lang="en-US" sz="2500" b="1" dirty="0">
+                <a:solidFill>
+                  <a:srgbClr val="007355"/>
+                </a:solidFill>
+              </a:rPr>
+              <a:t>D</a:t>
+            </a:r>
+            <a:r>
+              <a:rPr kumimoji="0" lang="en-US" sz="2500" b="1" i="0" u="none" strike="noStrike" cap="none" spc="0" normalizeH="0" baseline="0" dirty="0">
+                <a:ln>
+                  <a:noFill/>
+                </a:ln>
+                <a:solidFill>
+                  <a:srgbClr val="007355"/>
+                </a:solidFill>
+                <a:effectLst/>
+                <a:uFillTx/>
+                <a:latin typeface="+mn-lt"/>
+                <a:ea typeface="+mn-ea"/>
+                <a:cs typeface="+mn-cs"/>
+                <a:sym typeface="Helvetica"/>
+              </a:rPr>
+              <a:t>istance (HD)</a:t>
+            </a:r>
+            <a:endParaRPr kumimoji="0" lang="en-US" sz="1000" b="1" i="0" u="none" strike="noStrike" cap="none" spc="0" normalizeH="0" baseline="0" dirty="0">
+              <a:ln>
+                <a:noFill/>
+              </a:ln>
+              <a:solidFill>
+                <a:srgbClr val="007355"/>
+              </a:solidFill>
+              <a:effectLst/>
+              <a:uFillTx/>
+              <a:latin typeface="+mn-lt"/>
+              <a:ea typeface="+mn-ea"/>
+              <a:cs typeface="+mn-cs"/>
+              <a:sym typeface="Helvetica"/>
+            </a:endParaRPr>
+          </a:p>
+          <a:p>
+            <a:endParaRPr kumimoji="0" lang="en-US" sz="1000" b="0" i="0" u="none" strike="noStrike" cap="none" spc="0" normalizeH="0" baseline="0" dirty="0">
               <a:ln>
                 <a:noFill/>
               </a:ln>
@@ -11017,15 +11056,13 @@
           </p:cNvPr>
           <p:cNvCxnSpPr>
             <a:cxnSpLocks/>
-            <a:stCxn id="203" idx="3"/>
-            <a:endCxn id="261" idx="1"/>
           </p:cNvCxnSpPr>
           <p:nvPr/>
         </p:nvCxnSpPr>
         <p:spPr>
-          <a:xfrm flipV="1">
-            <a:off x="4828780" y="7109504"/>
-            <a:ext cx="1236554" cy="3303"/>
+          <a:xfrm>
+            <a:off x="2070697" y="7156124"/>
+            <a:ext cx="3742388" cy="0"/>
           </a:xfrm>
           <a:prstGeom prst="straightConnector1">
             <a:avLst/>
@@ -11033,9 +11070,7 @@
           <a:noFill/>
           <a:ln w="25400" cap="flat">
             <a:solidFill>
-              <a:schemeClr val="accent1">
-                <a:lumMod val="75000"/>
-              </a:schemeClr>
+              <a:srgbClr val="0C7355"/>
             </a:solidFill>
             <a:prstDash val="solid"/>
             <a:miter lim="400000"/>
@@ -11074,7 +11109,7 @@
         </p:nvCxnSpPr>
         <p:spPr>
           <a:xfrm>
-            <a:off x="6737855" y="5200142"/>
+            <a:off x="6737855" y="5315752"/>
             <a:ext cx="0" cy="758952"/>
           </a:xfrm>
           <a:prstGeom prst="straightConnector1">
@@ -11122,7 +11157,7 @@
         </p:nvCxnSpPr>
         <p:spPr>
           <a:xfrm flipH="1">
-            <a:off x="6744205" y="5213966"/>
+            <a:off x="6744205" y="5329576"/>
             <a:ext cx="92283" cy="0"/>
           </a:xfrm>
           <a:prstGeom prst="straightConnector1">
@@ -11170,8 +11205,8 @@
         </p:nvCxnSpPr>
         <p:spPr>
           <a:xfrm>
-            <a:off x="5657300" y="5941993"/>
-            <a:ext cx="1088136" cy="7915"/>
+            <a:off x="5708489" y="6065521"/>
+            <a:ext cx="1036947" cy="0"/>
           </a:xfrm>
           <a:prstGeom prst="straightConnector1">
             <a:avLst/>
@@ -11219,7 +11254,7 @@
         <p:spPr>
           <a:xfrm>
             <a:off x="4781929" y="3308195"/>
-            <a:ext cx="886118" cy="2638539"/>
+            <a:ext cx="926560" cy="2758961"/>
           </a:xfrm>
           <a:prstGeom prst="straightConnector1">
             <a:avLst/>
@@ -11315,7 +11350,7 @@
         <p:spPr>
           <a:xfrm>
             <a:off x="4916758" y="2538369"/>
-            <a:ext cx="907276" cy="2683253"/>
+            <a:ext cx="902257" cy="2790270"/>
           </a:xfrm>
           <a:prstGeom prst="straightConnector1">
             <a:avLst/>
@@ -11586,8 +11621,8 @@
           </a:p>
         </p:txBody>
       </p:sp>
-      <mc:AlternateContent xmlns:mc="http://schemas.openxmlformats.org/markup-compatibility/2006">
-        <mc:Choice xmlns:a14="http://schemas.microsoft.com/office/drawing/2010/main" Requires="a14">
+      <mc:AlternateContent xmlns:mc="http://schemas.openxmlformats.org/markup-compatibility/2006" xmlns:a14="http://schemas.microsoft.com/office/drawing/2010/main">
+        <mc:Choice Requires="a14">
           <p:sp>
             <p:nvSpPr>
               <p:cNvPr id="323" name="Equation">
@@ -11669,7 +11704,7 @@
             </p:txBody>
           </p:sp>
         </mc:Choice>
-        <mc:Fallback>
+        <mc:Fallback xmlns="">
           <p:sp>
             <p:nvSpPr>
               <p:cNvPr id="323" name="Equation">
@@ -11823,7 +11858,7 @@
           </a:ln>
           <a:extLst>
             <a:ext uri="{C572A759-6A51-4108-AA02-DFA0A04FC94B}">
-              <ma14:wrappingTextBoxFlag xmlns:ma14="http://schemas.microsoft.com/office/mac/drawingml/2011/main" xmlns:a14="http://schemas.microsoft.com/office/drawing/2010/main" xmlns:m="http://schemas.openxmlformats.org/officeDocument/2006/math" xmlns="" val="1"/>
+              <ma14:wrappingTextBoxFlag xmlns="" xmlns:m="http://schemas.openxmlformats.org/officeDocument/2006/math" xmlns:a14="http://schemas.microsoft.com/office/drawing/2010/main" xmlns:ma14="http://schemas.microsoft.com/office/mac/drawingml/2011/main" val="1"/>
             </a:ext>
           </a:extLst>
         </p:spPr>
@@ -11879,8 +11914,8 @@
         </p:nvSpPr>
         <p:spPr>
           <a:xfrm>
-            <a:off x="8213313" y="3576227"/>
-            <a:ext cx="1524456" cy="436851"/>
+            <a:off x="8290257" y="3576227"/>
+            <a:ext cx="1370568" cy="436851"/>
           </a:xfrm>
           <a:prstGeom prst="rect">
             <a:avLst/>
@@ -11890,7 +11925,7 @@
           </a:ln>
           <a:extLst>
             <a:ext uri="{C572A759-6A51-4108-AA02-DFA0A04FC94B}">
-              <ma14:wrappingTextBoxFlag xmlns:ma14="http://schemas.microsoft.com/office/mac/drawingml/2011/main" xmlns:a14="http://schemas.microsoft.com/office/drawing/2010/main" xmlns:m="http://schemas.openxmlformats.org/officeDocument/2006/math" xmlns="" val="1"/>
+              <ma14:wrappingTextBoxFlag xmlns="" xmlns:m="http://schemas.openxmlformats.org/officeDocument/2006/math" xmlns:a14="http://schemas.microsoft.com/office/drawing/2010/main" xmlns:ma14="http://schemas.microsoft.com/office/mac/drawingml/2011/main" val="1"/>
             </a:ext>
           </a:extLst>
         </p:spPr>
@@ -11919,7 +11954,7 @@
                   </a:schemeClr>
                 </a:solidFill>
               </a:rPr>
-              <a:t>signatures</a:t>
+              <a:t>signature</a:t>
             </a:r>
             <a:endParaRPr sz="2400" dirty="0">
               <a:solidFill>
@@ -12116,8 +12151,8 @@
           </a:p>
         </p:txBody>
       </p:sp>
-      <mc:AlternateContent xmlns:mc="http://schemas.openxmlformats.org/markup-compatibility/2006">
-        <mc:Choice xmlns:a14="http://schemas.microsoft.com/office/drawing/2010/main" Requires="a14">
+      <mc:AlternateContent xmlns:mc="http://schemas.openxmlformats.org/markup-compatibility/2006" xmlns:a14="http://schemas.microsoft.com/office/drawing/2010/main">
+        <mc:Choice Requires="a14">
           <p:sp>
             <p:nvSpPr>
               <p:cNvPr id="226" name="Equation">
@@ -12202,7 +12237,7 @@
             </p:txBody>
           </p:sp>
         </mc:Choice>
-        <mc:Fallback>
+        <mc:Fallback xmlns="">
           <p:sp>
             <p:nvSpPr>
               <p:cNvPr id="226" name="Equation">
@@ -12264,7 +12299,7 @@
         </p:nvSpPr>
         <p:spPr>
           <a:xfrm>
-            <a:off x="6693491" y="3418429"/>
+            <a:off x="6671266" y="3418429"/>
             <a:ext cx="1107072" cy="324191"/>
           </a:xfrm>
           <a:prstGeom prst="rect">
@@ -12495,19 +12530,19 @@
           <p:nvPr/>
         </p:nvCxnSpPr>
         <p:spPr>
-          <a:xfrm>
-            <a:off x="9007867" y="2136273"/>
-            <a:ext cx="15986" cy="4973231"/>
+          <a:xfrm flipH="1">
+            <a:off x="8837512" y="2136273"/>
+            <a:ext cx="170355" cy="4848281"/>
           </a:xfrm>
           <a:prstGeom prst="bentConnector3">
             <a:avLst>
-              <a:gd name="adj1" fmla="val 4926254"/>
+              <a:gd name="adj1" fmla="val -134190"/>
             </a:avLst>
           </a:prstGeom>
           <a:noFill/>
           <a:ln w="25400" cap="sq">
             <a:solidFill>
-              <a:srgbClr val="0041A8"/>
+              <a:srgbClr val="0C7355"/>
             </a:solidFill>
             <a:prstDash val="solid"/>
             <a:miter lim="400000"/>
@@ -12546,7 +12581,7 @@
         </p:nvCxnSpPr>
         <p:spPr>
           <a:xfrm flipH="1" flipV="1">
-            <a:off x="5813085" y="5213029"/>
+            <a:off x="5813085" y="5328639"/>
             <a:ext cx="186970" cy="1545"/>
           </a:xfrm>
           <a:prstGeom prst="line">
@@ -12590,7 +12625,7 @@
         </p:nvSpPr>
         <p:spPr>
           <a:xfrm>
-            <a:off x="6003230" y="4988186"/>
+            <a:off x="6003230" y="5103796"/>
             <a:ext cx="502920" cy="450912"/>
           </a:xfrm>
           <a:prstGeom prst="rect">
@@ -12673,7 +12708,7 @@
         </p:nvSpPr>
         <p:spPr>
           <a:xfrm>
-            <a:off x="5917304" y="5057930"/>
+            <a:off x="5917304" y="5173540"/>
             <a:ext cx="692360" cy="324191"/>
           </a:xfrm>
           <a:prstGeom prst="rect">
@@ -12739,7 +12774,7 @@
         </p:nvSpPr>
         <p:spPr>
           <a:xfrm>
-            <a:off x="1169597" y="7601773"/>
+            <a:off x="8415749" y="1484644"/>
             <a:ext cx="1354538" cy="436851"/>
           </a:xfrm>
           <a:prstGeom prst="rect">
@@ -12750,7 +12785,7 @@
           </a:ln>
           <a:extLst>
             <a:ext uri="{C572A759-6A51-4108-AA02-DFA0A04FC94B}">
-              <ma14:wrappingTextBoxFlag xmlns:ma14="http://schemas.microsoft.com/office/mac/drawingml/2011/main" xmlns:a14="http://schemas.microsoft.com/office/drawing/2010/main" xmlns:m="http://schemas.openxmlformats.org/officeDocument/2006/math" xmlns="" val="1"/>
+              <ma14:wrappingTextBoxFlag xmlns="" xmlns:m="http://schemas.openxmlformats.org/officeDocument/2006/math" xmlns:a14="http://schemas.microsoft.com/office/drawing/2010/main" xmlns:ma14="http://schemas.microsoft.com/office/mac/drawingml/2011/main" val="1"/>
             </a:ext>
           </a:extLst>
         </p:spPr>
